--- a/content/docs/record/kafka-jdbc-connector-orangepi5-cluster/images/images.pptx
+++ b/content/docs/record/kafka-jdbc-connector-orangepi5-cluster/images/images.pptx
@@ -5,13 +5,14 @@
     <p:sldMasterId id="2147483648" r:id="rId1"/>
   </p:sldMasterIdLst>
   <p:notesMasterIdLst>
-    <p:notesMasterId r:id="rId6"/>
+    <p:notesMasterId r:id="rId7"/>
   </p:notesMasterIdLst>
   <p:sldIdLst>
     <p:sldId id="416" r:id="rId2"/>
     <p:sldId id="396" r:id="rId3"/>
-    <p:sldId id="413" r:id="rId4"/>
-    <p:sldId id="415" r:id="rId5"/>
+    <p:sldId id="417" r:id="rId4"/>
+    <p:sldId id="413" r:id="rId5"/>
+    <p:sldId id="415" r:id="rId6"/>
   </p:sldIdLst>
   <p:sldSz cx="9144000" cy="5143500" type="screen16x9"/>
   <p:notesSz cx="6858000" cy="9144000"/>
@@ -216,7 +217,7 @@
           <a:p>
             <a:fld id="{6CD5550B-26C4-49A9-A5BA-636EF7BE6CE9}" type="datetimeFigureOut">
               <a:rPr lang="ko-KR" altLang="en-US" smtClean="0"/>
-              <a:t>2025. 10. 25.</a:t>
+              <a:t>2025. 10. 27.</a:t>
             </a:fld>
             <a:endParaRPr lang="ko-KR" altLang="en-US"/>
           </a:p>
@@ -596,7 +597,13 @@
   <p:cSld>
     <p:spTree>
       <p:nvGrpSpPr>
-        <p:cNvPr id="1" name=""/>
+        <p:cNvPr id="1" name="">
+          <a:extLst>
+            <a:ext uri="{FF2B5EF4-FFF2-40B4-BE49-F238E27FC236}">
+              <a16:creationId xmlns:a16="http://schemas.microsoft.com/office/drawing/2014/main" id="{B89E5B4C-4979-CE79-6E4C-BC2A918A333B}"/>
+            </a:ext>
+          </a:extLst>
+        </p:cNvPr>
         <p:cNvGrpSpPr/>
         <p:nvPr/>
       </p:nvGrpSpPr>
@@ -610,7 +617,13 @@
       </p:grpSpPr>
       <p:sp>
         <p:nvSpPr>
-          <p:cNvPr id="2" name="슬라이드 이미지 개체 틀 1"/>
+          <p:cNvPr id="2" name="슬라이드 이미지 개체 틀 1">
+            <a:extLst>
+              <a:ext uri="{FF2B5EF4-FFF2-40B4-BE49-F238E27FC236}">
+                <a16:creationId xmlns:a16="http://schemas.microsoft.com/office/drawing/2014/main" id="{34B2B88D-D981-EC37-D3EF-F21034CD9F15}"/>
+              </a:ext>
+            </a:extLst>
+          </p:cNvPr>
           <p:cNvSpPr>
             <a:spLocks noGrp="1" noRot="1" noChangeAspect="1"/>
           </p:cNvSpPr>
@@ -622,7 +635,13 @@
       </p:sp>
       <p:sp>
         <p:nvSpPr>
-          <p:cNvPr id="3" name="슬라이드 노트 개체 틀 2"/>
+          <p:cNvPr id="3" name="슬라이드 노트 개체 틀 2">
+            <a:extLst>
+              <a:ext uri="{FF2B5EF4-FFF2-40B4-BE49-F238E27FC236}">
+                <a16:creationId xmlns:a16="http://schemas.microsoft.com/office/drawing/2014/main" id="{8AA4EE5E-ABE8-8217-CC82-4E4577E80FF0}"/>
+              </a:ext>
+            </a:extLst>
+          </p:cNvPr>
           <p:cNvSpPr>
             <a:spLocks noGrp="1"/>
           </p:cNvSpPr>
@@ -641,7 +660,13 @@
       </p:sp>
       <p:sp>
         <p:nvSpPr>
-          <p:cNvPr id="4" name="슬라이드 번호 개체 틀 3"/>
+          <p:cNvPr id="4" name="슬라이드 번호 개체 틀 3">
+            <a:extLst>
+              <a:ext uri="{FF2B5EF4-FFF2-40B4-BE49-F238E27FC236}">
+                <a16:creationId xmlns:a16="http://schemas.microsoft.com/office/drawing/2014/main" id="{AF9E47FF-F8BA-BE49-C868-6FED9014DDBA}"/>
+              </a:ext>
+            </a:extLst>
+          </p:cNvPr>
           <p:cNvSpPr>
             <a:spLocks noGrp="1"/>
           </p:cNvSpPr>
@@ -665,7 +690,7 @@
     </p:spTree>
     <p:extLst>
       <p:ext uri="{BB962C8B-B14F-4D97-AF65-F5344CB8AC3E}">
-        <p14:creationId xmlns:p14="http://schemas.microsoft.com/office/powerpoint/2010/main" val="675301351"/>
+        <p14:creationId xmlns:p14="http://schemas.microsoft.com/office/powerpoint/2010/main" val="2599794243"/>
       </p:ext>
     </p:extLst>
   </p:cSld>
@@ -741,6 +766,90 @@
             <a:fld id="{BA5DFA43-8D57-47FB-BC46-057616015C3B}" type="slidenum">
               <a:rPr lang="ko-KR" altLang="en-US" smtClean="0"/>
               <a:t>4</a:t>
+            </a:fld>
+            <a:endParaRPr lang="ko-KR" altLang="en-US"/>
+          </a:p>
+        </p:txBody>
+      </p:sp>
+    </p:spTree>
+    <p:extLst>
+      <p:ext uri="{BB962C8B-B14F-4D97-AF65-F5344CB8AC3E}">
+        <p14:creationId xmlns:p14="http://schemas.microsoft.com/office/powerpoint/2010/main" val="675301351"/>
+      </p:ext>
+    </p:extLst>
+  </p:cSld>
+  <p:clrMapOvr>
+    <a:masterClrMapping/>
+  </p:clrMapOvr>
+</p:notes>
+</file>
+
+<file path=ppt/notesSlides/notesSlide4.xml><?xml version="1.0" encoding="utf-8"?>
+<p:notes xmlns:a="http://schemas.openxmlformats.org/drawingml/2006/main" xmlns:r="http://schemas.openxmlformats.org/officeDocument/2006/relationships" xmlns:p="http://schemas.openxmlformats.org/presentationml/2006/main">
+  <p:cSld>
+    <p:spTree>
+      <p:nvGrpSpPr>
+        <p:cNvPr id="1" name=""/>
+        <p:cNvGrpSpPr/>
+        <p:nvPr/>
+      </p:nvGrpSpPr>
+      <p:grpSpPr>
+        <a:xfrm>
+          <a:off x="0" y="0"/>
+          <a:ext cx="0" cy="0"/>
+          <a:chOff x="0" y="0"/>
+          <a:chExt cx="0" cy="0"/>
+        </a:xfrm>
+      </p:grpSpPr>
+      <p:sp>
+        <p:nvSpPr>
+          <p:cNvPr id="2" name="슬라이드 이미지 개체 틀 1"/>
+          <p:cNvSpPr>
+            <a:spLocks noGrp="1" noRot="1" noChangeAspect="1"/>
+          </p:cNvSpPr>
+          <p:nvPr>
+            <p:ph type="sldImg"/>
+          </p:nvPr>
+        </p:nvSpPr>
+        <p:spPr/>
+      </p:sp>
+      <p:sp>
+        <p:nvSpPr>
+          <p:cNvPr id="3" name="슬라이드 노트 개체 틀 2"/>
+          <p:cNvSpPr>
+            <a:spLocks noGrp="1"/>
+          </p:cNvSpPr>
+          <p:nvPr>
+            <p:ph type="body" idx="1"/>
+          </p:nvPr>
+        </p:nvSpPr>
+        <p:spPr/>
+        <p:txBody>
+          <a:bodyPr/>
+          <a:lstStyle/>
+          <a:p>
+            <a:endParaRPr lang="ko-KR" altLang="en-US" dirty="0"/>
+          </a:p>
+        </p:txBody>
+      </p:sp>
+      <p:sp>
+        <p:nvSpPr>
+          <p:cNvPr id="4" name="슬라이드 번호 개체 틀 3"/>
+          <p:cNvSpPr>
+            <a:spLocks noGrp="1"/>
+          </p:cNvSpPr>
+          <p:nvPr>
+            <p:ph type="sldNum" sz="quarter" idx="10"/>
+          </p:nvPr>
+        </p:nvSpPr>
+        <p:spPr/>
+        <p:txBody>
+          <a:bodyPr/>
+          <a:lstStyle/>
+          <a:p>
+            <a:fld id="{BA5DFA43-8D57-47FB-BC46-057616015C3B}" type="slidenum">
+              <a:rPr lang="ko-KR" altLang="en-US" smtClean="0"/>
+              <a:t>5</a:t>
             </a:fld>
             <a:endParaRPr lang="ko-KR" altLang="en-US"/>
           </a:p>
@@ -938,7 +1047,7 @@
           <a:p>
             <a:fld id="{FB30EDBD-1C2D-4C1E-B459-B60219FAB484}" type="datetimeFigureOut">
               <a:rPr lang="ko-KR" altLang="en-US" smtClean="0"/>
-              <a:t>2025. 10. 25.</a:t>
+              <a:t>2025. 10. 27.</a:t>
             </a:fld>
             <a:endParaRPr lang="ko-KR" altLang="en-US"/>
           </a:p>
@@ -1101,7 +1210,7 @@
           <a:p>
             <a:fld id="{FB30EDBD-1C2D-4C1E-B459-B60219FAB484}" type="datetimeFigureOut">
               <a:rPr lang="ko-KR" altLang="en-US" smtClean="0"/>
-              <a:t>2025. 10. 25.</a:t>
+              <a:t>2025. 10. 27.</a:t>
             </a:fld>
             <a:endParaRPr lang="ko-KR" altLang="en-US"/>
           </a:p>
@@ -1274,7 +1383,7 @@
           <a:p>
             <a:fld id="{FB30EDBD-1C2D-4C1E-B459-B60219FAB484}" type="datetimeFigureOut">
               <a:rPr lang="ko-KR" altLang="en-US" smtClean="0"/>
-              <a:t>2025. 10. 25.</a:t>
+              <a:t>2025. 10. 27.</a:t>
             </a:fld>
             <a:endParaRPr lang="ko-KR" altLang="en-US"/>
           </a:p>
@@ -1437,7 +1546,7 @@
           <a:p>
             <a:fld id="{FB30EDBD-1C2D-4C1E-B459-B60219FAB484}" type="datetimeFigureOut">
               <a:rPr lang="ko-KR" altLang="en-US" smtClean="0"/>
-              <a:t>2025. 10. 25.</a:t>
+              <a:t>2025. 10. 27.</a:t>
             </a:fld>
             <a:endParaRPr lang="ko-KR" altLang="en-US"/>
           </a:p>
@@ -1677,7 +1786,7 @@
           <a:p>
             <a:fld id="{FB30EDBD-1C2D-4C1E-B459-B60219FAB484}" type="datetimeFigureOut">
               <a:rPr lang="ko-KR" altLang="en-US" smtClean="0"/>
-              <a:t>2025. 10. 25.</a:t>
+              <a:t>2025. 10. 27.</a:t>
             </a:fld>
             <a:endParaRPr lang="ko-KR" altLang="en-US"/>
           </a:p>
@@ -1957,7 +2066,7 @@
           <a:p>
             <a:fld id="{FB30EDBD-1C2D-4C1E-B459-B60219FAB484}" type="datetimeFigureOut">
               <a:rPr lang="ko-KR" altLang="en-US" smtClean="0"/>
-              <a:t>2025. 10. 25.</a:t>
+              <a:t>2025. 10. 27.</a:t>
             </a:fld>
             <a:endParaRPr lang="ko-KR" altLang="en-US"/>
           </a:p>
@@ -2371,7 +2480,7 @@
           <a:p>
             <a:fld id="{FB30EDBD-1C2D-4C1E-B459-B60219FAB484}" type="datetimeFigureOut">
               <a:rPr lang="ko-KR" altLang="en-US" smtClean="0"/>
-              <a:t>2025. 10. 25.</a:t>
+              <a:t>2025. 10. 27.</a:t>
             </a:fld>
             <a:endParaRPr lang="ko-KR" altLang="en-US"/>
           </a:p>
@@ -2483,7 +2592,7 @@
           <a:p>
             <a:fld id="{FB30EDBD-1C2D-4C1E-B459-B60219FAB484}" type="datetimeFigureOut">
               <a:rPr lang="ko-KR" altLang="en-US" smtClean="0"/>
-              <a:t>2025. 10. 25.</a:t>
+              <a:t>2025. 10. 27.</a:t>
             </a:fld>
             <a:endParaRPr lang="ko-KR" altLang="en-US"/>
           </a:p>
@@ -2573,7 +2682,7 @@
           <a:p>
             <a:fld id="{FB30EDBD-1C2D-4C1E-B459-B60219FAB484}" type="datetimeFigureOut">
               <a:rPr lang="ko-KR" altLang="en-US" smtClean="0"/>
-              <a:t>2025. 10. 25.</a:t>
+              <a:t>2025. 10. 27.</a:t>
             </a:fld>
             <a:endParaRPr lang="ko-KR" altLang="en-US"/>
           </a:p>
@@ -2843,7 +2952,7 @@
           <a:p>
             <a:fld id="{FB30EDBD-1C2D-4C1E-B459-B60219FAB484}" type="datetimeFigureOut">
               <a:rPr lang="ko-KR" altLang="en-US" smtClean="0"/>
-              <a:t>2025. 10. 25.</a:t>
+              <a:t>2025. 10. 27.</a:t>
             </a:fld>
             <a:endParaRPr lang="ko-KR" altLang="en-US"/>
           </a:p>
@@ -3090,7 +3199,7 @@
           <a:p>
             <a:fld id="{FB30EDBD-1C2D-4C1E-B459-B60219FAB484}" type="datetimeFigureOut">
               <a:rPr lang="ko-KR" altLang="en-US" smtClean="0"/>
-              <a:t>2025. 10. 25.</a:t>
+              <a:t>2025. 10. 27.</a:t>
             </a:fld>
             <a:endParaRPr lang="ko-KR" altLang="en-US"/>
           </a:p>
@@ -3296,7 +3405,7 @@
           <a:p>
             <a:fld id="{FB30EDBD-1C2D-4C1E-B459-B60219FAB484}" type="datetimeFigureOut">
               <a:rPr lang="ko-KR" altLang="en-US" smtClean="0"/>
-              <a:t>2025. 10. 25.</a:t>
+              <a:t>2025. 10. 27.</a:t>
             </a:fld>
             <a:endParaRPr lang="ko-KR" altLang="en-US"/>
           </a:p>
@@ -4155,7 +4264,7 @@
             <a:pPr algn="ctr"/>
             <a:r>
               <a:rPr lang="en-US" altLang="ko-KR" sz="900"/>
-              <a:t>Connector</a:t>
+              <a:t>JDBC Connector</a:t>
             </a:r>
           </a:p>
         </p:txBody>
@@ -4221,7 +4330,7 @@
             <a:pPr algn="ctr"/>
             <a:r>
               <a:rPr lang="en-US" altLang="ko-KR" sz="900"/>
-              <a:t>Connector</a:t>
+              <a:t>JDBC Connector</a:t>
             </a:r>
           </a:p>
         </p:txBody>
@@ -5253,6 +5362,1525 @@
   <p:cSld>
     <p:spTree>
       <p:nvGrpSpPr>
+        <p:cNvPr id="1" name="">
+          <a:extLst>
+            <a:ext uri="{FF2B5EF4-FFF2-40B4-BE49-F238E27FC236}">
+              <a16:creationId xmlns:a16="http://schemas.microsoft.com/office/drawing/2014/main" id="{59878503-3A30-E905-1EE0-EC3002CB3F11}"/>
+            </a:ext>
+          </a:extLst>
+        </p:cNvPr>
+        <p:cNvGrpSpPr/>
+        <p:nvPr/>
+      </p:nvGrpSpPr>
+      <p:grpSpPr>
+        <a:xfrm>
+          <a:off x="0" y="0"/>
+          <a:ext cx="0" cy="0"/>
+          <a:chOff x="0" y="0"/>
+          <a:chExt cx="0" cy="0"/>
+        </a:xfrm>
+      </p:grpSpPr>
+      <p:sp>
+        <p:nvSpPr>
+          <p:cNvPr id="3" name="모서리가 둥근 직사각형 18">
+            <a:extLst>
+              <a:ext uri="{FF2B5EF4-FFF2-40B4-BE49-F238E27FC236}">
+                <a16:creationId xmlns:a16="http://schemas.microsoft.com/office/drawing/2014/main" id="{F7D8BE2F-8283-50A0-FA99-BEEF04202651}"/>
+              </a:ext>
+            </a:extLst>
+          </p:cNvPr>
+          <p:cNvSpPr/>
+          <p:nvPr/>
+        </p:nvSpPr>
+        <p:spPr>
+          <a:xfrm>
+            <a:off x="1187624" y="1852730"/>
+            <a:ext cx="1656184" cy="2249945"/>
+          </a:xfrm>
+          <a:prstGeom prst="roundRect">
+            <a:avLst>
+              <a:gd name="adj" fmla="val 6644"/>
+            </a:avLst>
+          </a:prstGeom>
+          <a:noFill/>
+          <a:ln w="12700"/>
+        </p:spPr>
+        <p:style>
+          <a:lnRef idx="2">
+            <a:schemeClr val="dk1"/>
+          </a:lnRef>
+          <a:fillRef idx="1">
+            <a:schemeClr val="lt1"/>
+          </a:fillRef>
+          <a:effectRef idx="0">
+            <a:schemeClr val="dk1"/>
+          </a:effectRef>
+          <a:fontRef idx="minor">
+            <a:schemeClr val="dk1"/>
+          </a:fontRef>
+        </p:style>
+        <p:txBody>
+          <a:bodyPr rtlCol="0" anchor="b"/>
+          <a:lstStyle/>
+          <a:p>
+            <a:pPr algn="r"/>
+            <a:r>
+              <a:rPr lang="en-US" altLang="ko-KR" sz="1000"/>
+              <a:t>PostgreSQL</a:t>
+            </a:r>
+          </a:p>
+        </p:txBody>
+      </p:sp>
+      <p:pic>
+        <p:nvPicPr>
+          <p:cNvPr id="4" name="Picture 34" descr="PostgreSQL&quot; Icon - Download for free – Iconduck">
+            <a:extLst>
+              <a:ext uri="{FF2B5EF4-FFF2-40B4-BE49-F238E27FC236}">
+                <a16:creationId xmlns:a16="http://schemas.microsoft.com/office/drawing/2014/main" id="{8D13FBA0-D30B-76FA-F3C4-4D5DA06ED051}"/>
+              </a:ext>
+            </a:extLst>
+          </p:cNvPr>
+          <p:cNvPicPr>
+            <a:picLocks noChangeAspect="1" noChangeArrowheads="1"/>
+          </p:cNvPicPr>
+          <p:nvPr/>
+        </p:nvPicPr>
+        <p:blipFill>
+          <a:blip r:embed="rId3">
+            <a:extLst>
+              <a:ext uri="{28A0092B-C50C-407E-A947-70E740481C1C}">
+                <a14:useLocalDpi xmlns:a14="http://schemas.microsoft.com/office/drawing/2010/main" val="0"/>
+              </a:ext>
+            </a:extLst>
+          </a:blip>
+          <a:srcRect/>
+          <a:stretch>
+            <a:fillRect/>
+          </a:stretch>
+        </p:blipFill>
+        <p:spPr bwMode="auto">
+          <a:xfrm>
+            <a:off x="1727686" y="3780344"/>
+            <a:ext cx="278851" cy="287458"/>
+          </a:xfrm>
+          <a:prstGeom prst="rect">
+            <a:avLst/>
+          </a:prstGeom>
+          <a:noFill/>
+          <a:extLst>
+            <a:ext uri="{909E8E84-426E-40DD-AFC4-6F175D3DCCD1}">
+              <a14:hiddenFill xmlns:a14="http://schemas.microsoft.com/office/drawing/2010/main">
+                <a:solidFill>
+                  <a:srgbClr val="FFFFFF"/>
+                </a:solidFill>
+              </a14:hiddenFill>
+            </a:ext>
+          </a:extLst>
+        </p:spPr>
+      </p:pic>
+      <p:sp>
+        <p:nvSpPr>
+          <p:cNvPr id="5" name="모서리가 둥근 직사각형 18">
+            <a:extLst>
+              <a:ext uri="{FF2B5EF4-FFF2-40B4-BE49-F238E27FC236}">
+                <a16:creationId xmlns:a16="http://schemas.microsoft.com/office/drawing/2014/main" id="{FF0750F8-084B-F778-4783-B20C75BBEFCE}"/>
+              </a:ext>
+            </a:extLst>
+          </p:cNvPr>
+          <p:cNvSpPr/>
+          <p:nvPr/>
+        </p:nvSpPr>
+        <p:spPr>
+          <a:xfrm>
+            <a:off x="1311347" y="1924738"/>
+            <a:ext cx="1411645" cy="810229"/>
+          </a:xfrm>
+          <a:prstGeom prst="roundRect">
+            <a:avLst>
+              <a:gd name="adj" fmla="val 11578"/>
+            </a:avLst>
+          </a:prstGeom>
+          <a:noFill/>
+          <a:ln w="12700"/>
+        </p:spPr>
+        <p:style>
+          <a:lnRef idx="2">
+            <a:schemeClr val="dk1"/>
+          </a:lnRef>
+          <a:fillRef idx="1">
+            <a:schemeClr val="lt1"/>
+          </a:fillRef>
+          <a:effectRef idx="0">
+            <a:schemeClr val="dk1"/>
+          </a:effectRef>
+          <a:fontRef idx="minor">
+            <a:schemeClr val="dk1"/>
+          </a:fontRef>
+        </p:style>
+        <p:txBody>
+          <a:bodyPr rtlCol="0" anchor="b"/>
+          <a:lstStyle/>
+          <a:p>
+            <a:pPr algn="ctr"/>
+            <a:r>
+              <a:rPr lang="en-US" altLang="ko-KR" sz="900" b="1"/>
+              <a:t>kafka_connect_src</a:t>
+            </a:r>
+          </a:p>
+          <a:p>
+            <a:pPr algn="ctr"/>
+            <a:r>
+              <a:rPr lang="en-US" altLang="ko-KR" sz="900"/>
+              <a:t>Database</a:t>
+            </a:r>
+          </a:p>
+        </p:txBody>
+      </p:sp>
+      <p:sp>
+        <p:nvSpPr>
+          <p:cNvPr id="7" name="모서리가 둥근 직사각형 18">
+            <a:extLst>
+              <a:ext uri="{FF2B5EF4-FFF2-40B4-BE49-F238E27FC236}">
+                <a16:creationId xmlns:a16="http://schemas.microsoft.com/office/drawing/2014/main" id="{91C752CD-5C69-756C-E3C7-6E4ECCED6895}"/>
+              </a:ext>
+            </a:extLst>
+          </p:cNvPr>
+          <p:cNvSpPr/>
+          <p:nvPr/>
+        </p:nvSpPr>
+        <p:spPr>
+          <a:xfrm>
+            <a:off x="1309895" y="2852541"/>
+            <a:ext cx="1411645" cy="810229"/>
+          </a:xfrm>
+          <a:prstGeom prst="roundRect">
+            <a:avLst>
+              <a:gd name="adj" fmla="val 11578"/>
+            </a:avLst>
+          </a:prstGeom>
+          <a:noFill/>
+          <a:ln w="12700"/>
+        </p:spPr>
+        <p:style>
+          <a:lnRef idx="2">
+            <a:schemeClr val="dk1"/>
+          </a:lnRef>
+          <a:fillRef idx="1">
+            <a:schemeClr val="lt1"/>
+          </a:fillRef>
+          <a:effectRef idx="0">
+            <a:schemeClr val="dk1"/>
+          </a:effectRef>
+          <a:fontRef idx="minor">
+            <a:schemeClr val="dk1"/>
+          </a:fontRef>
+        </p:style>
+        <p:txBody>
+          <a:bodyPr rtlCol="0" anchor="b"/>
+          <a:lstStyle/>
+          <a:p>
+            <a:pPr algn="ctr"/>
+            <a:r>
+              <a:rPr lang="en-US" altLang="ko-KR" sz="900" b="1"/>
+              <a:t>kafka_connect_dst</a:t>
+            </a:r>
+          </a:p>
+          <a:p>
+            <a:pPr algn="ctr"/>
+            <a:r>
+              <a:rPr lang="en-US" altLang="ko-KR" sz="900"/>
+              <a:t>Database</a:t>
+            </a:r>
+          </a:p>
+        </p:txBody>
+      </p:sp>
+      <p:sp>
+        <p:nvSpPr>
+          <p:cNvPr id="8" name="모서리가 둥근 직사각형 18">
+            <a:extLst>
+              <a:ext uri="{FF2B5EF4-FFF2-40B4-BE49-F238E27FC236}">
+                <a16:creationId xmlns:a16="http://schemas.microsoft.com/office/drawing/2014/main" id="{F049222B-ECE8-D02C-E9EB-E17943512C08}"/>
+              </a:ext>
+            </a:extLst>
+          </p:cNvPr>
+          <p:cNvSpPr/>
+          <p:nvPr/>
+        </p:nvSpPr>
+        <p:spPr>
+          <a:xfrm>
+            <a:off x="1592249" y="2011480"/>
+            <a:ext cx="849839" cy="333175"/>
+          </a:xfrm>
+          <a:prstGeom prst="roundRect">
+            <a:avLst>
+              <a:gd name="adj" fmla="val 11578"/>
+            </a:avLst>
+          </a:prstGeom>
+          <a:noFill/>
+          <a:ln w="12700"/>
+        </p:spPr>
+        <p:style>
+          <a:lnRef idx="2">
+            <a:schemeClr val="dk1"/>
+          </a:lnRef>
+          <a:fillRef idx="1">
+            <a:schemeClr val="lt1"/>
+          </a:fillRef>
+          <a:effectRef idx="0">
+            <a:schemeClr val="dk1"/>
+          </a:effectRef>
+          <a:fontRef idx="minor">
+            <a:schemeClr val="dk1"/>
+          </a:fontRef>
+        </p:style>
+        <p:txBody>
+          <a:bodyPr rtlCol="0" anchor="ctr"/>
+          <a:lstStyle/>
+          <a:p>
+            <a:pPr algn="ctr"/>
+            <a:r>
+              <a:rPr lang="en-US" altLang="ko-KR" sz="900" b="1"/>
+              <a:t>User </a:t>
+            </a:r>
+            <a:r>
+              <a:rPr lang="en-US" altLang="ko-KR" sz="900"/>
+              <a:t>Table</a:t>
+            </a:r>
+          </a:p>
+        </p:txBody>
+      </p:sp>
+      <p:sp>
+        <p:nvSpPr>
+          <p:cNvPr id="9" name="모서리가 둥근 직사각형 18">
+            <a:extLst>
+              <a:ext uri="{FF2B5EF4-FFF2-40B4-BE49-F238E27FC236}">
+                <a16:creationId xmlns:a16="http://schemas.microsoft.com/office/drawing/2014/main" id="{497A3440-5633-329E-BCA9-F6860460F229}"/>
+              </a:ext>
+            </a:extLst>
+          </p:cNvPr>
+          <p:cNvSpPr/>
+          <p:nvPr/>
+        </p:nvSpPr>
+        <p:spPr>
+          <a:xfrm>
+            <a:off x="1590797" y="2939283"/>
+            <a:ext cx="849839" cy="333175"/>
+          </a:xfrm>
+          <a:prstGeom prst="roundRect">
+            <a:avLst>
+              <a:gd name="adj" fmla="val 11578"/>
+            </a:avLst>
+          </a:prstGeom>
+          <a:noFill/>
+          <a:ln w="12700"/>
+        </p:spPr>
+        <p:style>
+          <a:lnRef idx="2">
+            <a:schemeClr val="dk1"/>
+          </a:lnRef>
+          <a:fillRef idx="1">
+            <a:schemeClr val="lt1"/>
+          </a:fillRef>
+          <a:effectRef idx="0">
+            <a:schemeClr val="dk1"/>
+          </a:effectRef>
+          <a:fontRef idx="minor">
+            <a:schemeClr val="dk1"/>
+          </a:fontRef>
+        </p:style>
+        <p:txBody>
+          <a:bodyPr rtlCol="0" anchor="ctr"/>
+          <a:lstStyle/>
+          <a:p>
+            <a:pPr algn="ctr"/>
+            <a:r>
+              <a:rPr lang="en-US" altLang="ko-KR" sz="900" b="1"/>
+              <a:t>User </a:t>
+            </a:r>
+            <a:r>
+              <a:rPr lang="en-US" altLang="ko-KR" sz="900"/>
+              <a:t>Table</a:t>
+            </a:r>
+          </a:p>
+        </p:txBody>
+      </p:sp>
+      <p:sp>
+        <p:nvSpPr>
+          <p:cNvPr id="12" name="모서리가 둥근 직사각형 18">
+            <a:extLst>
+              <a:ext uri="{FF2B5EF4-FFF2-40B4-BE49-F238E27FC236}">
+                <a16:creationId xmlns:a16="http://schemas.microsoft.com/office/drawing/2014/main" id="{F5586930-9367-83E1-E51D-8AAF23FDCD56}"/>
+              </a:ext>
+            </a:extLst>
+          </p:cNvPr>
+          <p:cNvSpPr/>
+          <p:nvPr/>
+        </p:nvSpPr>
+        <p:spPr>
+          <a:xfrm>
+            <a:off x="3635896" y="1851670"/>
+            <a:ext cx="1656184" cy="2249945"/>
+          </a:xfrm>
+          <a:prstGeom prst="roundRect">
+            <a:avLst>
+              <a:gd name="adj" fmla="val 6644"/>
+            </a:avLst>
+          </a:prstGeom>
+          <a:noFill/>
+          <a:ln w="12700"/>
+        </p:spPr>
+        <p:style>
+          <a:lnRef idx="2">
+            <a:schemeClr val="dk1"/>
+          </a:lnRef>
+          <a:fillRef idx="1">
+            <a:schemeClr val="lt1"/>
+          </a:fillRef>
+          <a:effectRef idx="0">
+            <a:schemeClr val="dk1"/>
+          </a:effectRef>
+          <a:fontRef idx="minor">
+            <a:schemeClr val="dk1"/>
+          </a:fontRef>
+        </p:style>
+        <p:txBody>
+          <a:bodyPr rtlCol="0" anchor="b"/>
+          <a:lstStyle/>
+          <a:p>
+            <a:pPr algn="r"/>
+            <a:r>
+              <a:rPr lang="en-US" altLang="ko-KR" sz="1000"/>
+              <a:t>Kafka Connect</a:t>
+            </a:r>
+          </a:p>
+        </p:txBody>
+      </p:sp>
+      <p:pic>
+        <p:nvPicPr>
+          <p:cNvPr id="25" name="Picture 12" descr="kafka icon&quot; Icon - Download for free – Iconduck">
+            <a:extLst>
+              <a:ext uri="{FF2B5EF4-FFF2-40B4-BE49-F238E27FC236}">
+                <a16:creationId xmlns:a16="http://schemas.microsoft.com/office/drawing/2014/main" id="{9BFE631C-EECA-A29A-CA5C-E5DC396DCB9F}"/>
+              </a:ext>
+            </a:extLst>
+          </p:cNvPr>
+          <p:cNvPicPr>
+            <a:picLocks noChangeAspect="1" noChangeArrowheads="1"/>
+          </p:cNvPicPr>
+          <p:nvPr/>
+        </p:nvPicPr>
+        <p:blipFill>
+          <a:blip r:embed="rId4">
+            <a:extLst>
+              <a:ext uri="{28A0092B-C50C-407E-A947-70E740481C1C}">
+                <a14:useLocalDpi xmlns:a14="http://schemas.microsoft.com/office/drawing/2010/main" val="0"/>
+              </a:ext>
+            </a:extLst>
+          </a:blip>
+          <a:srcRect/>
+          <a:stretch>
+            <a:fillRect/>
+          </a:stretch>
+        </p:blipFill>
+        <p:spPr bwMode="auto">
+          <a:xfrm>
+            <a:off x="4067944" y="3780344"/>
+            <a:ext cx="176967" cy="285118"/>
+          </a:xfrm>
+          <a:prstGeom prst="rect">
+            <a:avLst/>
+          </a:prstGeom>
+          <a:noFill/>
+          <a:extLst>
+            <a:ext uri="{909E8E84-426E-40DD-AFC4-6F175D3DCCD1}">
+              <a14:hiddenFill xmlns:a14="http://schemas.microsoft.com/office/drawing/2010/main">
+                <a:solidFill>
+                  <a:srgbClr val="FFFFFF"/>
+                </a:solidFill>
+              </a14:hiddenFill>
+            </a:ext>
+          </a:extLst>
+        </p:spPr>
+      </p:pic>
+      <p:sp>
+        <p:nvSpPr>
+          <p:cNvPr id="26" name="모서리가 둥근 직사각형 18">
+            <a:extLst>
+              <a:ext uri="{FF2B5EF4-FFF2-40B4-BE49-F238E27FC236}">
+                <a16:creationId xmlns:a16="http://schemas.microsoft.com/office/drawing/2014/main" id="{60BAD0BC-9751-7906-399A-370AC48EB71C}"/>
+              </a:ext>
+            </a:extLst>
+          </p:cNvPr>
+          <p:cNvSpPr/>
+          <p:nvPr/>
+        </p:nvSpPr>
+        <p:spPr>
+          <a:xfrm>
+            <a:off x="3758165" y="1924737"/>
+            <a:ext cx="1411645" cy="810229"/>
+          </a:xfrm>
+          <a:prstGeom prst="roundRect">
+            <a:avLst>
+              <a:gd name="adj" fmla="val 11578"/>
+            </a:avLst>
+          </a:prstGeom>
+          <a:noFill/>
+          <a:ln w="12700"/>
+        </p:spPr>
+        <p:style>
+          <a:lnRef idx="2">
+            <a:schemeClr val="dk1"/>
+          </a:lnRef>
+          <a:fillRef idx="1">
+            <a:schemeClr val="lt1"/>
+          </a:fillRef>
+          <a:effectRef idx="0">
+            <a:schemeClr val="dk1"/>
+          </a:effectRef>
+          <a:fontRef idx="minor">
+            <a:schemeClr val="dk1"/>
+          </a:fontRef>
+        </p:style>
+        <p:txBody>
+          <a:bodyPr rtlCol="0" anchor="ctr"/>
+          <a:lstStyle/>
+          <a:p>
+            <a:pPr algn="ctr"/>
+            <a:r>
+              <a:rPr lang="en-US" altLang="ko-KR" sz="900" b="1"/>
+              <a:t>postgresql-src-connector</a:t>
+            </a:r>
+            <a:endParaRPr lang="en-US" altLang="ko-KR" sz="900"/>
+          </a:p>
+          <a:p>
+            <a:pPr algn="ctr"/>
+            <a:r>
+              <a:rPr lang="en-US" altLang="ko-KR" sz="900"/>
+              <a:t>Kafka Source</a:t>
+            </a:r>
+          </a:p>
+          <a:p>
+            <a:pPr algn="ctr"/>
+            <a:r>
+              <a:rPr lang="en-US" altLang="ko-KR" sz="900"/>
+              <a:t>Connector</a:t>
+            </a:r>
+          </a:p>
+        </p:txBody>
+      </p:sp>
+      <p:sp>
+        <p:nvSpPr>
+          <p:cNvPr id="27" name="모서리가 둥근 직사각형 18">
+            <a:extLst>
+              <a:ext uri="{FF2B5EF4-FFF2-40B4-BE49-F238E27FC236}">
+                <a16:creationId xmlns:a16="http://schemas.microsoft.com/office/drawing/2014/main" id="{87DC8609-9080-190E-1672-716DA5B4973F}"/>
+              </a:ext>
+            </a:extLst>
+          </p:cNvPr>
+          <p:cNvSpPr/>
+          <p:nvPr/>
+        </p:nvSpPr>
+        <p:spPr>
+          <a:xfrm>
+            <a:off x="3758165" y="2852541"/>
+            <a:ext cx="1411645" cy="810229"/>
+          </a:xfrm>
+          <a:prstGeom prst="roundRect">
+            <a:avLst>
+              <a:gd name="adj" fmla="val 11578"/>
+            </a:avLst>
+          </a:prstGeom>
+          <a:noFill/>
+          <a:ln w="12700"/>
+        </p:spPr>
+        <p:style>
+          <a:lnRef idx="2">
+            <a:schemeClr val="dk1"/>
+          </a:lnRef>
+          <a:fillRef idx="1">
+            <a:schemeClr val="lt1"/>
+          </a:fillRef>
+          <a:effectRef idx="0">
+            <a:schemeClr val="dk1"/>
+          </a:effectRef>
+          <a:fontRef idx="minor">
+            <a:schemeClr val="dk1"/>
+          </a:fontRef>
+        </p:style>
+        <p:txBody>
+          <a:bodyPr rtlCol="0" anchor="ctr"/>
+          <a:lstStyle/>
+          <a:p>
+            <a:pPr algn="ctr"/>
+            <a:r>
+              <a:rPr lang="en-US" altLang="ko-KR" sz="900" b="1"/>
+              <a:t>postgresql-dst-connector</a:t>
+            </a:r>
+            <a:endParaRPr lang="en-US" altLang="ko-KR" sz="900"/>
+          </a:p>
+          <a:p>
+            <a:pPr algn="ctr"/>
+            <a:r>
+              <a:rPr lang="en-US" altLang="ko-KR" sz="900"/>
+              <a:t>Kafka Sink</a:t>
+            </a:r>
+          </a:p>
+          <a:p>
+            <a:pPr algn="ctr"/>
+            <a:r>
+              <a:rPr lang="en-US" altLang="ko-KR" sz="900"/>
+              <a:t>Connector</a:t>
+            </a:r>
+          </a:p>
+        </p:txBody>
+      </p:sp>
+      <p:sp>
+        <p:nvSpPr>
+          <p:cNvPr id="28" name="모서리가 둥근 직사각형 18">
+            <a:extLst>
+              <a:ext uri="{FF2B5EF4-FFF2-40B4-BE49-F238E27FC236}">
+                <a16:creationId xmlns:a16="http://schemas.microsoft.com/office/drawing/2014/main" id="{74D8AEDB-DEAC-FF47-FB40-30F142923D11}"/>
+              </a:ext>
+            </a:extLst>
+          </p:cNvPr>
+          <p:cNvSpPr/>
+          <p:nvPr/>
+        </p:nvSpPr>
+        <p:spPr>
+          <a:xfrm>
+            <a:off x="6084168" y="1851669"/>
+            <a:ext cx="1872208" cy="2520281"/>
+          </a:xfrm>
+          <a:prstGeom prst="roundRect">
+            <a:avLst>
+              <a:gd name="adj" fmla="val 6644"/>
+            </a:avLst>
+          </a:prstGeom>
+          <a:noFill/>
+          <a:ln w="12700"/>
+        </p:spPr>
+        <p:style>
+          <a:lnRef idx="2">
+            <a:schemeClr val="dk1"/>
+          </a:lnRef>
+          <a:fillRef idx="1">
+            <a:schemeClr val="lt1"/>
+          </a:fillRef>
+          <a:effectRef idx="0">
+            <a:schemeClr val="dk1"/>
+          </a:effectRef>
+          <a:fontRef idx="minor">
+            <a:schemeClr val="dk1"/>
+          </a:fontRef>
+        </p:style>
+        <p:txBody>
+          <a:bodyPr rtlCol="0" anchor="b"/>
+          <a:lstStyle/>
+          <a:p>
+            <a:pPr algn="r"/>
+            <a:r>
+              <a:rPr lang="en-US" altLang="ko-KR" sz="1000"/>
+              <a:t>Kafka</a:t>
+            </a:r>
+          </a:p>
+        </p:txBody>
+      </p:sp>
+      <p:pic>
+        <p:nvPicPr>
+          <p:cNvPr id="29" name="Picture 12" descr="kafka icon&quot; Icon - Download for free – Iconduck">
+            <a:extLst>
+              <a:ext uri="{FF2B5EF4-FFF2-40B4-BE49-F238E27FC236}">
+                <a16:creationId xmlns:a16="http://schemas.microsoft.com/office/drawing/2014/main" id="{90CBDB2E-DC36-B885-9033-C88853E3D180}"/>
+              </a:ext>
+            </a:extLst>
+          </p:cNvPr>
+          <p:cNvPicPr>
+            <a:picLocks noChangeAspect="1" noChangeArrowheads="1"/>
+          </p:cNvPicPr>
+          <p:nvPr/>
+        </p:nvPicPr>
+        <p:blipFill>
+          <a:blip r:embed="rId4">
+            <a:extLst>
+              <a:ext uri="{28A0092B-C50C-407E-A947-70E740481C1C}">
+                <a14:useLocalDpi xmlns:a14="http://schemas.microsoft.com/office/drawing/2010/main" val="0"/>
+              </a:ext>
+            </a:extLst>
+          </a:blip>
+          <a:srcRect/>
+          <a:stretch>
+            <a:fillRect/>
+          </a:stretch>
+        </p:blipFill>
+        <p:spPr bwMode="auto">
+          <a:xfrm>
+            <a:off x="7239347" y="4011541"/>
+            <a:ext cx="176967" cy="285118"/>
+          </a:xfrm>
+          <a:prstGeom prst="rect">
+            <a:avLst/>
+          </a:prstGeom>
+          <a:noFill/>
+          <a:extLst>
+            <a:ext uri="{909E8E84-426E-40DD-AFC4-6F175D3DCCD1}">
+              <a14:hiddenFill xmlns:a14="http://schemas.microsoft.com/office/drawing/2010/main">
+                <a:solidFill>
+                  <a:srgbClr val="FFFFFF"/>
+                </a:solidFill>
+              </a14:hiddenFill>
+            </a:ext>
+          </a:extLst>
+        </p:spPr>
+      </p:pic>
+      <p:sp>
+        <p:nvSpPr>
+          <p:cNvPr id="30" name="모서리가 둥근 직사각형 18">
+            <a:extLst>
+              <a:ext uri="{FF2B5EF4-FFF2-40B4-BE49-F238E27FC236}">
+                <a16:creationId xmlns:a16="http://schemas.microsoft.com/office/drawing/2014/main" id="{CECC0C1A-5CF4-8F06-6089-E3B6BE939521}"/>
+              </a:ext>
+            </a:extLst>
+          </p:cNvPr>
+          <p:cNvSpPr/>
+          <p:nvPr/>
+        </p:nvSpPr>
+        <p:spPr>
+          <a:xfrm>
+            <a:off x="6206437" y="1924737"/>
+            <a:ext cx="1626216" cy="418488"/>
+          </a:xfrm>
+          <a:prstGeom prst="roundRect">
+            <a:avLst>
+              <a:gd name="adj" fmla="val 20203"/>
+            </a:avLst>
+          </a:prstGeom>
+          <a:noFill/>
+          <a:ln w="12700"/>
+        </p:spPr>
+        <p:style>
+          <a:lnRef idx="2">
+            <a:schemeClr val="dk1"/>
+          </a:lnRef>
+          <a:fillRef idx="1">
+            <a:schemeClr val="lt1"/>
+          </a:fillRef>
+          <a:effectRef idx="0">
+            <a:schemeClr val="dk1"/>
+          </a:effectRef>
+          <a:fontRef idx="minor">
+            <a:schemeClr val="dk1"/>
+          </a:fontRef>
+        </p:style>
+        <p:txBody>
+          <a:bodyPr rtlCol="0" anchor="ctr"/>
+          <a:lstStyle/>
+          <a:p>
+            <a:pPr algn="ctr"/>
+            <a:r>
+              <a:rPr lang="en-US" altLang="ko-KR" sz="900" b="1"/>
+              <a:t>postgresql-users</a:t>
+            </a:r>
+          </a:p>
+          <a:p>
+            <a:pPr algn="ctr"/>
+            <a:r>
+              <a:rPr lang="en-US" altLang="ko-KR" sz="900"/>
+              <a:t>Topic</a:t>
+            </a:r>
+          </a:p>
+        </p:txBody>
+      </p:sp>
+      <p:cxnSp>
+        <p:nvCxnSpPr>
+          <p:cNvPr id="35" name="Elbow Connector 34">
+            <a:extLst>
+              <a:ext uri="{FF2B5EF4-FFF2-40B4-BE49-F238E27FC236}">
+                <a16:creationId xmlns:a16="http://schemas.microsoft.com/office/drawing/2014/main" id="{30576FDB-0F68-EB01-C63B-DD1B3BAEF4E0}"/>
+              </a:ext>
+            </a:extLst>
+          </p:cNvPr>
+          <p:cNvCxnSpPr>
+            <a:cxnSpLocks/>
+            <a:stCxn id="8" idx="3"/>
+            <a:endCxn id="26" idx="1"/>
+          </p:cNvCxnSpPr>
+          <p:nvPr/>
+        </p:nvCxnSpPr>
+        <p:spPr>
+          <a:xfrm>
+            <a:off x="2442088" y="2178068"/>
+            <a:ext cx="1316077" cy="151784"/>
+          </a:xfrm>
+          <a:prstGeom prst="bentConnector3">
+            <a:avLst>
+              <a:gd name="adj1" fmla="val 50000"/>
+            </a:avLst>
+          </a:prstGeom>
+          <a:ln w="12700">
+            <a:solidFill>
+              <a:schemeClr val="tx1"/>
+            </a:solidFill>
+            <a:tailEnd type="triangle"/>
+          </a:ln>
+        </p:spPr>
+        <p:style>
+          <a:lnRef idx="1">
+            <a:schemeClr val="accent1"/>
+          </a:lnRef>
+          <a:fillRef idx="0">
+            <a:schemeClr val="accent1"/>
+          </a:fillRef>
+          <a:effectRef idx="0">
+            <a:schemeClr val="accent1"/>
+          </a:effectRef>
+          <a:fontRef idx="minor">
+            <a:schemeClr val="tx1"/>
+          </a:fontRef>
+        </p:style>
+      </p:cxnSp>
+      <p:cxnSp>
+        <p:nvCxnSpPr>
+          <p:cNvPr id="39" name="Elbow Connector 38">
+            <a:extLst>
+              <a:ext uri="{FF2B5EF4-FFF2-40B4-BE49-F238E27FC236}">
+                <a16:creationId xmlns:a16="http://schemas.microsoft.com/office/drawing/2014/main" id="{DC502473-B8CB-1568-3A9B-5B433675C0FE}"/>
+              </a:ext>
+            </a:extLst>
+          </p:cNvPr>
+          <p:cNvCxnSpPr>
+            <a:cxnSpLocks/>
+            <a:stCxn id="26" idx="3"/>
+            <a:endCxn id="30" idx="0"/>
+          </p:cNvCxnSpPr>
+          <p:nvPr/>
+        </p:nvCxnSpPr>
+        <p:spPr>
+          <a:xfrm flipV="1">
+            <a:off x="5169810" y="1924737"/>
+            <a:ext cx="1849735" cy="405115"/>
+          </a:xfrm>
+          <a:prstGeom prst="bentConnector4">
+            <a:avLst>
+              <a:gd name="adj1" fmla="val 18575"/>
+              <a:gd name="adj2" fmla="val 156428"/>
+            </a:avLst>
+          </a:prstGeom>
+          <a:ln w="12700">
+            <a:solidFill>
+              <a:schemeClr val="tx1"/>
+            </a:solidFill>
+            <a:tailEnd type="triangle"/>
+          </a:ln>
+        </p:spPr>
+        <p:style>
+          <a:lnRef idx="1">
+            <a:schemeClr val="accent1"/>
+          </a:lnRef>
+          <a:fillRef idx="0">
+            <a:schemeClr val="accent1"/>
+          </a:fillRef>
+          <a:effectRef idx="0">
+            <a:schemeClr val="accent1"/>
+          </a:effectRef>
+          <a:fontRef idx="minor">
+            <a:schemeClr val="tx1"/>
+          </a:fontRef>
+        </p:style>
+      </p:cxnSp>
+      <p:cxnSp>
+        <p:nvCxnSpPr>
+          <p:cNvPr id="42" name="Elbow Connector 41">
+            <a:extLst>
+              <a:ext uri="{FF2B5EF4-FFF2-40B4-BE49-F238E27FC236}">
+                <a16:creationId xmlns:a16="http://schemas.microsoft.com/office/drawing/2014/main" id="{3258F753-DAB5-7D7D-DBF1-4A1EAC233205}"/>
+              </a:ext>
+            </a:extLst>
+          </p:cNvPr>
+          <p:cNvCxnSpPr>
+            <a:cxnSpLocks/>
+            <a:stCxn id="30" idx="1"/>
+            <a:endCxn id="27" idx="3"/>
+          </p:cNvCxnSpPr>
+          <p:nvPr/>
+        </p:nvCxnSpPr>
+        <p:spPr>
+          <a:xfrm rot="10800000" flipV="1">
+            <a:off x="5169811" y="2133980"/>
+            <a:ext cx="1036627" cy="1123675"/>
+          </a:xfrm>
+          <a:prstGeom prst="bentConnector3">
+            <a:avLst>
+              <a:gd name="adj1" fmla="val 50000"/>
+            </a:avLst>
+          </a:prstGeom>
+          <a:ln w="12700">
+            <a:solidFill>
+              <a:schemeClr val="tx1"/>
+            </a:solidFill>
+            <a:tailEnd type="triangle"/>
+          </a:ln>
+        </p:spPr>
+        <p:style>
+          <a:lnRef idx="1">
+            <a:schemeClr val="accent1"/>
+          </a:lnRef>
+          <a:fillRef idx="0">
+            <a:schemeClr val="accent1"/>
+          </a:fillRef>
+          <a:effectRef idx="0">
+            <a:schemeClr val="accent1"/>
+          </a:effectRef>
+          <a:fontRef idx="minor">
+            <a:schemeClr val="tx1"/>
+          </a:fontRef>
+        </p:style>
+      </p:cxnSp>
+      <p:cxnSp>
+        <p:nvCxnSpPr>
+          <p:cNvPr id="48" name="Elbow Connector 47">
+            <a:extLst>
+              <a:ext uri="{FF2B5EF4-FFF2-40B4-BE49-F238E27FC236}">
+                <a16:creationId xmlns:a16="http://schemas.microsoft.com/office/drawing/2014/main" id="{6731AF85-D64C-91D9-E0BA-AEC1386BFE35}"/>
+              </a:ext>
+            </a:extLst>
+          </p:cNvPr>
+          <p:cNvCxnSpPr>
+            <a:cxnSpLocks/>
+            <a:stCxn id="27" idx="1"/>
+            <a:endCxn id="9" idx="3"/>
+          </p:cNvCxnSpPr>
+          <p:nvPr/>
+        </p:nvCxnSpPr>
+        <p:spPr>
+          <a:xfrm rot="10800000">
+            <a:off x="2440637" y="3105872"/>
+            <a:ext cx="1317529" cy="151785"/>
+          </a:xfrm>
+          <a:prstGeom prst="bentConnector3">
+            <a:avLst>
+              <a:gd name="adj1" fmla="val 50000"/>
+            </a:avLst>
+          </a:prstGeom>
+          <a:ln w="12700">
+            <a:solidFill>
+              <a:schemeClr val="tx1"/>
+            </a:solidFill>
+            <a:tailEnd type="triangle"/>
+          </a:ln>
+        </p:spPr>
+        <p:style>
+          <a:lnRef idx="1">
+            <a:schemeClr val="accent1"/>
+          </a:lnRef>
+          <a:fillRef idx="0">
+            <a:schemeClr val="accent1"/>
+          </a:fillRef>
+          <a:effectRef idx="0">
+            <a:schemeClr val="accent1"/>
+          </a:effectRef>
+          <a:fontRef idx="minor">
+            <a:schemeClr val="tx1"/>
+          </a:fontRef>
+        </p:style>
+      </p:cxnSp>
+      <p:sp>
+        <p:nvSpPr>
+          <p:cNvPr id="52" name="모서리가 둥근 직사각형 18">
+            <a:extLst>
+              <a:ext uri="{FF2B5EF4-FFF2-40B4-BE49-F238E27FC236}">
+                <a16:creationId xmlns:a16="http://schemas.microsoft.com/office/drawing/2014/main" id="{49513BC4-6925-650E-B718-0167F337B099}"/>
+              </a:ext>
+            </a:extLst>
+          </p:cNvPr>
+          <p:cNvSpPr/>
+          <p:nvPr/>
+        </p:nvSpPr>
+        <p:spPr>
+          <a:xfrm>
+            <a:off x="6206436" y="2439259"/>
+            <a:ext cx="1626217" cy="418488"/>
+          </a:xfrm>
+          <a:prstGeom prst="roundRect">
+            <a:avLst>
+              <a:gd name="adj" fmla="val 20203"/>
+            </a:avLst>
+          </a:prstGeom>
+          <a:noFill/>
+          <a:ln w="12700"/>
+        </p:spPr>
+        <p:style>
+          <a:lnRef idx="2">
+            <a:schemeClr val="dk1"/>
+          </a:lnRef>
+          <a:fillRef idx="1">
+            <a:schemeClr val="lt1"/>
+          </a:fillRef>
+          <a:effectRef idx="0">
+            <a:schemeClr val="dk1"/>
+          </a:effectRef>
+          <a:fontRef idx="minor">
+            <a:schemeClr val="dk1"/>
+          </a:fontRef>
+        </p:style>
+        <p:txBody>
+          <a:bodyPr rtlCol="0" anchor="ctr"/>
+          <a:lstStyle/>
+          <a:p>
+            <a:pPr algn="ctr"/>
+            <a:r>
+              <a:rPr lang="en-US" altLang="ko-KR" sz="900" b="1"/>
+              <a:t>connect-cluster-configs</a:t>
+            </a:r>
+          </a:p>
+          <a:p>
+            <a:pPr algn="ctr"/>
+            <a:r>
+              <a:rPr lang="en-US" altLang="ko-KR" sz="900"/>
+              <a:t>Topic</a:t>
+            </a:r>
+          </a:p>
+        </p:txBody>
+      </p:sp>
+      <p:sp>
+        <p:nvSpPr>
+          <p:cNvPr id="55" name="모서리가 둥근 직사각형 18">
+            <a:extLst>
+              <a:ext uri="{FF2B5EF4-FFF2-40B4-BE49-F238E27FC236}">
+                <a16:creationId xmlns:a16="http://schemas.microsoft.com/office/drawing/2014/main" id="{74A9639C-8269-D1E7-D774-1F2EA947D882}"/>
+              </a:ext>
+            </a:extLst>
+          </p:cNvPr>
+          <p:cNvSpPr/>
+          <p:nvPr/>
+        </p:nvSpPr>
+        <p:spPr>
+          <a:xfrm>
+            <a:off x="6212786" y="2953782"/>
+            <a:ext cx="1626217" cy="418488"/>
+          </a:xfrm>
+          <a:prstGeom prst="roundRect">
+            <a:avLst>
+              <a:gd name="adj" fmla="val 20203"/>
+            </a:avLst>
+          </a:prstGeom>
+          <a:noFill/>
+          <a:ln w="12700"/>
+        </p:spPr>
+        <p:style>
+          <a:lnRef idx="2">
+            <a:schemeClr val="dk1"/>
+          </a:lnRef>
+          <a:fillRef idx="1">
+            <a:schemeClr val="lt1"/>
+          </a:fillRef>
+          <a:effectRef idx="0">
+            <a:schemeClr val="dk1"/>
+          </a:effectRef>
+          <a:fontRef idx="minor">
+            <a:schemeClr val="dk1"/>
+          </a:fontRef>
+        </p:style>
+        <p:txBody>
+          <a:bodyPr rtlCol="0" anchor="ctr"/>
+          <a:lstStyle/>
+          <a:p>
+            <a:pPr algn="ctr"/>
+            <a:r>
+              <a:rPr lang="en-US" altLang="ko-KR" sz="900" b="1"/>
+              <a:t>connect-cluster-offsets</a:t>
+            </a:r>
+          </a:p>
+          <a:p>
+            <a:pPr algn="ctr"/>
+            <a:r>
+              <a:rPr lang="en-US" altLang="ko-KR" sz="900"/>
+              <a:t>Topic</a:t>
+            </a:r>
+          </a:p>
+        </p:txBody>
+      </p:sp>
+      <p:sp>
+        <p:nvSpPr>
+          <p:cNvPr id="58" name="모서리가 둥근 직사각형 18">
+            <a:extLst>
+              <a:ext uri="{FF2B5EF4-FFF2-40B4-BE49-F238E27FC236}">
+                <a16:creationId xmlns:a16="http://schemas.microsoft.com/office/drawing/2014/main" id="{013757C0-FF2F-92A2-ED0B-C780D723316B}"/>
+              </a:ext>
+            </a:extLst>
+          </p:cNvPr>
+          <p:cNvSpPr/>
+          <p:nvPr/>
+        </p:nvSpPr>
+        <p:spPr>
+          <a:xfrm>
+            <a:off x="6212786" y="3468304"/>
+            <a:ext cx="1626217" cy="418488"/>
+          </a:xfrm>
+          <a:prstGeom prst="roundRect">
+            <a:avLst>
+              <a:gd name="adj" fmla="val 20203"/>
+            </a:avLst>
+          </a:prstGeom>
+          <a:noFill/>
+          <a:ln w="12700"/>
+        </p:spPr>
+        <p:style>
+          <a:lnRef idx="2">
+            <a:schemeClr val="dk1"/>
+          </a:lnRef>
+          <a:fillRef idx="1">
+            <a:schemeClr val="lt1"/>
+          </a:fillRef>
+          <a:effectRef idx="0">
+            <a:schemeClr val="dk1"/>
+          </a:effectRef>
+          <a:fontRef idx="minor">
+            <a:schemeClr val="dk1"/>
+          </a:fontRef>
+        </p:style>
+        <p:txBody>
+          <a:bodyPr rtlCol="0" anchor="ctr"/>
+          <a:lstStyle/>
+          <a:p>
+            <a:pPr algn="ctr"/>
+            <a:r>
+              <a:rPr lang="en-US" altLang="ko-KR" sz="900" b="1"/>
+              <a:t>connect-cluster-status</a:t>
+            </a:r>
+          </a:p>
+          <a:p>
+            <a:pPr algn="ctr"/>
+            <a:r>
+              <a:rPr lang="en-US" altLang="ko-KR" sz="900"/>
+              <a:t>Topic</a:t>
+            </a:r>
+          </a:p>
+        </p:txBody>
+      </p:sp>
+      <p:cxnSp>
+        <p:nvCxnSpPr>
+          <p:cNvPr id="70" name="Elbow Connector 69">
+            <a:extLst>
+              <a:ext uri="{FF2B5EF4-FFF2-40B4-BE49-F238E27FC236}">
+                <a16:creationId xmlns:a16="http://schemas.microsoft.com/office/drawing/2014/main" id="{EC429135-3AA0-53DE-2F68-BF50401D4E1F}"/>
+              </a:ext>
+            </a:extLst>
+          </p:cNvPr>
+          <p:cNvCxnSpPr>
+            <a:cxnSpLocks/>
+            <a:stCxn id="12" idx="2"/>
+            <a:endCxn id="112" idx="2"/>
+          </p:cNvCxnSpPr>
+          <p:nvPr/>
+        </p:nvCxnSpPr>
+        <p:spPr>
+          <a:xfrm rot="5400000" flipH="1" flipV="1">
+            <a:off x="5662149" y="2744220"/>
+            <a:ext cx="159233" cy="2555557"/>
+          </a:xfrm>
+          <a:prstGeom prst="bentConnector3">
+            <a:avLst>
+              <a:gd name="adj1" fmla="val -97764"/>
+            </a:avLst>
+          </a:prstGeom>
+          <a:ln w="12700">
+            <a:solidFill>
+              <a:schemeClr val="accent1"/>
+            </a:solidFill>
+            <a:prstDash val="dash"/>
+            <a:tailEnd type="triangle"/>
+          </a:ln>
+        </p:spPr>
+        <p:style>
+          <a:lnRef idx="1">
+            <a:schemeClr val="accent1"/>
+          </a:lnRef>
+          <a:fillRef idx="0">
+            <a:schemeClr val="accent1"/>
+          </a:fillRef>
+          <a:effectRef idx="0">
+            <a:schemeClr val="accent1"/>
+          </a:effectRef>
+          <a:fontRef idx="minor">
+            <a:schemeClr val="tx1"/>
+          </a:fontRef>
+        </p:style>
+      </p:cxnSp>
+      <p:sp>
+        <p:nvSpPr>
+          <p:cNvPr id="77" name="모서리가 둥근 직사각형 18">
+            <a:extLst>
+              <a:ext uri="{FF2B5EF4-FFF2-40B4-BE49-F238E27FC236}">
+                <a16:creationId xmlns:a16="http://schemas.microsoft.com/office/drawing/2014/main" id="{7EDAE339-6383-C338-8C9D-729C75ED73C8}"/>
+              </a:ext>
+            </a:extLst>
+          </p:cNvPr>
+          <p:cNvSpPr/>
+          <p:nvPr/>
+        </p:nvSpPr>
+        <p:spPr>
+          <a:xfrm>
+            <a:off x="3758170" y="714309"/>
+            <a:ext cx="1411634" cy="776019"/>
+          </a:xfrm>
+          <a:prstGeom prst="roundRect">
+            <a:avLst>
+              <a:gd name="adj" fmla="val 15414"/>
+            </a:avLst>
+          </a:prstGeom>
+          <a:noFill/>
+          <a:ln w="12700"/>
+        </p:spPr>
+        <p:style>
+          <a:lnRef idx="2">
+            <a:schemeClr val="dk1"/>
+          </a:lnRef>
+          <a:fillRef idx="1">
+            <a:schemeClr val="lt1"/>
+          </a:fillRef>
+          <a:effectRef idx="0">
+            <a:schemeClr val="dk1"/>
+          </a:effectRef>
+          <a:fontRef idx="minor">
+            <a:schemeClr val="dk1"/>
+          </a:fontRef>
+        </p:style>
+        <p:txBody>
+          <a:bodyPr rtlCol="0" anchor="ctr"/>
+          <a:lstStyle/>
+          <a:p>
+            <a:pPr algn="ctr"/>
+            <a:endParaRPr lang="en-US" altLang="ko-KR" sz="1000"/>
+          </a:p>
+          <a:p>
+            <a:pPr algn="ctr"/>
+            <a:endParaRPr lang="en-US" altLang="ko-KR" sz="1000"/>
+          </a:p>
+          <a:p>
+            <a:pPr algn="ctr"/>
+            <a:r>
+              <a:rPr lang="en-US" altLang="ko-KR" sz="1000"/>
+              <a:t>Strimzi Cluster </a:t>
+            </a:r>
+          </a:p>
+          <a:p>
+            <a:pPr algn="ctr"/>
+            <a:r>
+              <a:rPr lang="en-US" altLang="ko-KR" sz="1000"/>
+              <a:t>Operator</a:t>
+            </a:r>
+          </a:p>
+        </p:txBody>
+      </p:sp>
+      <p:pic>
+        <p:nvPicPr>
+          <p:cNvPr id="79" name="Picture 12" descr="kafka icon&quot; Icon - Download for free – Iconduck">
+            <a:extLst>
+              <a:ext uri="{FF2B5EF4-FFF2-40B4-BE49-F238E27FC236}">
+                <a16:creationId xmlns:a16="http://schemas.microsoft.com/office/drawing/2014/main" id="{E2E57FFC-A745-D1D4-74A3-11A65B0B85D3}"/>
+              </a:ext>
+            </a:extLst>
+          </p:cNvPr>
+          <p:cNvPicPr>
+            <a:picLocks noChangeAspect="1" noChangeArrowheads="1"/>
+          </p:cNvPicPr>
+          <p:nvPr/>
+        </p:nvPicPr>
+        <p:blipFill>
+          <a:blip r:embed="rId4">
+            <a:extLst>
+              <a:ext uri="{28A0092B-C50C-407E-A947-70E740481C1C}">
+                <a14:useLocalDpi xmlns:a14="http://schemas.microsoft.com/office/drawing/2010/main" val="0"/>
+              </a:ext>
+            </a:extLst>
+          </a:blip>
+          <a:srcRect/>
+          <a:stretch>
+            <a:fillRect/>
+          </a:stretch>
+        </p:blipFill>
+        <p:spPr bwMode="auto">
+          <a:xfrm>
+            <a:off x="4375503" y="798143"/>
+            <a:ext cx="176967" cy="285118"/>
+          </a:xfrm>
+          <a:prstGeom prst="rect">
+            <a:avLst/>
+          </a:prstGeom>
+          <a:noFill/>
+          <a:extLst>
+            <a:ext uri="{909E8E84-426E-40DD-AFC4-6F175D3DCCD1}">
+              <a14:hiddenFill xmlns:a14="http://schemas.microsoft.com/office/drawing/2010/main">
+                <a:solidFill>
+                  <a:srgbClr val="FFFFFF"/>
+                </a:solidFill>
+              </a14:hiddenFill>
+            </a:ext>
+          </a:extLst>
+        </p:spPr>
+      </p:pic>
+      <p:cxnSp>
+        <p:nvCxnSpPr>
+          <p:cNvPr id="81" name="Elbow Connector 80">
+            <a:extLst>
+              <a:ext uri="{FF2B5EF4-FFF2-40B4-BE49-F238E27FC236}">
+                <a16:creationId xmlns:a16="http://schemas.microsoft.com/office/drawing/2014/main" id="{4F8D0ED9-0EAD-C33A-2B60-1DA14A4CAA24}"/>
+              </a:ext>
+            </a:extLst>
+          </p:cNvPr>
+          <p:cNvCxnSpPr>
+            <a:cxnSpLocks/>
+          </p:cNvCxnSpPr>
+          <p:nvPr/>
+        </p:nvCxnSpPr>
+        <p:spPr>
+          <a:xfrm rot="16200000" flipH="1">
+            <a:off x="3765006" y="1671000"/>
+            <a:ext cx="361342" cy="1"/>
+          </a:xfrm>
+          <a:prstGeom prst="bentConnector3">
+            <a:avLst>
+              <a:gd name="adj1" fmla="val 51613"/>
+            </a:avLst>
+          </a:prstGeom>
+          <a:ln w="12700">
+            <a:solidFill>
+              <a:srgbClr val="C00000"/>
+            </a:solidFill>
+            <a:prstDash val="dash"/>
+            <a:tailEnd type="triangle"/>
+          </a:ln>
+        </p:spPr>
+        <p:style>
+          <a:lnRef idx="1">
+            <a:schemeClr val="accent1"/>
+          </a:lnRef>
+          <a:fillRef idx="0">
+            <a:schemeClr val="accent1"/>
+          </a:fillRef>
+          <a:effectRef idx="0">
+            <a:schemeClr val="accent1"/>
+          </a:effectRef>
+          <a:fontRef idx="minor">
+            <a:schemeClr val="tx1"/>
+          </a:fontRef>
+        </p:style>
+      </p:cxnSp>
+      <p:cxnSp>
+        <p:nvCxnSpPr>
+          <p:cNvPr id="89" name="Elbow Connector 88">
+            <a:extLst>
+              <a:ext uri="{FF2B5EF4-FFF2-40B4-BE49-F238E27FC236}">
+                <a16:creationId xmlns:a16="http://schemas.microsoft.com/office/drawing/2014/main" id="{71D2781D-6700-5B2E-D31B-1565E6AA5293}"/>
+              </a:ext>
+            </a:extLst>
+          </p:cNvPr>
+          <p:cNvCxnSpPr>
+            <a:cxnSpLocks/>
+            <a:stCxn id="77" idx="3"/>
+          </p:cNvCxnSpPr>
+          <p:nvPr/>
+        </p:nvCxnSpPr>
+        <p:spPr>
+          <a:xfrm>
+            <a:off x="5169804" y="1102319"/>
+            <a:ext cx="2370155" cy="749350"/>
+          </a:xfrm>
+          <a:prstGeom prst="bentConnector3">
+            <a:avLst>
+              <a:gd name="adj1" fmla="val 99940"/>
+            </a:avLst>
+          </a:prstGeom>
+          <a:ln w="12700">
+            <a:solidFill>
+              <a:srgbClr val="C00000"/>
+            </a:solidFill>
+            <a:prstDash val="dash"/>
+            <a:tailEnd type="triangle"/>
+          </a:ln>
+        </p:spPr>
+        <p:style>
+          <a:lnRef idx="1">
+            <a:schemeClr val="accent1"/>
+          </a:lnRef>
+          <a:fillRef idx="0">
+            <a:schemeClr val="accent1"/>
+          </a:fillRef>
+          <a:effectRef idx="0">
+            <a:schemeClr val="accent1"/>
+          </a:effectRef>
+          <a:fontRef idx="minor">
+            <a:schemeClr val="tx1"/>
+          </a:fontRef>
+        </p:style>
+      </p:cxnSp>
+      <p:cxnSp>
+        <p:nvCxnSpPr>
+          <p:cNvPr id="97" name="Elbow Connector 96">
+            <a:extLst>
+              <a:ext uri="{FF2B5EF4-FFF2-40B4-BE49-F238E27FC236}">
+                <a16:creationId xmlns:a16="http://schemas.microsoft.com/office/drawing/2014/main" id="{D42919A2-E01A-990A-F6E9-7652F3B5FF04}"/>
+              </a:ext>
+            </a:extLst>
+          </p:cNvPr>
+          <p:cNvCxnSpPr>
+            <a:cxnSpLocks/>
+            <a:stCxn id="77" idx="2"/>
+            <a:endCxn id="26" idx="0"/>
+          </p:cNvCxnSpPr>
+          <p:nvPr/>
+        </p:nvCxnSpPr>
+        <p:spPr>
+          <a:xfrm rot="16200000" flipH="1">
+            <a:off x="4246783" y="1707531"/>
+            <a:ext cx="434409" cy="1"/>
+          </a:xfrm>
+          <a:prstGeom prst="bentConnector3">
+            <a:avLst>
+              <a:gd name="adj1" fmla="val 50000"/>
+            </a:avLst>
+          </a:prstGeom>
+          <a:ln w="12700">
+            <a:solidFill>
+              <a:srgbClr val="C00000"/>
+            </a:solidFill>
+            <a:prstDash val="dash"/>
+            <a:tailEnd type="triangle"/>
+          </a:ln>
+        </p:spPr>
+        <p:style>
+          <a:lnRef idx="1">
+            <a:schemeClr val="accent1"/>
+          </a:lnRef>
+          <a:fillRef idx="0">
+            <a:schemeClr val="accent1"/>
+          </a:fillRef>
+          <a:effectRef idx="0">
+            <a:schemeClr val="accent1"/>
+          </a:effectRef>
+          <a:fontRef idx="minor">
+            <a:schemeClr val="tx1"/>
+          </a:fontRef>
+        </p:style>
+      </p:cxnSp>
+      <p:cxnSp>
+        <p:nvCxnSpPr>
+          <p:cNvPr id="101" name="Elbow Connector 100">
+            <a:extLst>
+              <a:ext uri="{FF2B5EF4-FFF2-40B4-BE49-F238E27FC236}">
+                <a16:creationId xmlns:a16="http://schemas.microsoft.com/office/drawing/2014/main" id="{D5F4F34C-BE5E-35AE-7098-121EABE0D4A8}"/>
+              </a:ext>
+            </a:extLst>
+          </p:cNvPr>
+          <p:cNvCxnSpPr>
+            <a:cxnSpLocks/>
+          </p:cNvCxnSpPr>
+          <p:nvPr/>
+        </p:nvCxnSpPr>
+        <p:spPr>
+          <a:xfrm rot="16200000" flipH="1">
+            <a:off x="4301192" y="2171433"/>
+            <a:ext cx="1362213" cy="1"/>
+          </a:xfrm>
+          <a:prstGeom prst="bentConnector3">
+            <a:avLst>
+              <a:gd name="adj1" fmla="val 50000"/>
+            </a:avLst>
+          </a:prstGeom>
+          <a:ln w="12700">
+            <a:solidFill>
+              <a:srgbClr val="C00000"/>
+            </a:solidFill>
+            <a:prstDash val="dash"/>
+            <a:tailEnd type="triangle"/>
+          </a:ln>
+        </p:spPr>
+        <p:style>
+          <a:lnRef idx="1">
+            <a:schemeClr val="accent1"/>
+          </a:lnRef>
+          <a:fillRef idx="0">
+            <a:schemeClr val="accent1"/>
+          </a:fillRef>
+          <a:effectRef idx="0">
+            <a:schemeClr val="accent1"/>
+          </a:effectRef>
+          <a:fontRef idx="minor">
+            <a:schemeClr val="tx1"/>
+          </a:fontRef>
+        </p:style>
+      </p:cxnSp>
+      <p:sp>
+        <p:nvSpPr>
+          <p:cNvPr id="112" name="모서리가 둥근 직사각형 18">
+            <a:extLst>
+              <a:ext uri="{FF2B5EF4-FFF2-40B4-BE49-F238E27FC236}">
+                <a16:creationId xmlns:a16="http://schemas.microsoft.com/office/drawing/2014/main" id="{1C160E8A-5D86-90EF-C855-FB2DBAD7286F}"/>
+              </a:ext>
+            </a:extLst>
+          </p:cNvPr>
+          <p:cNvSpPr/>
+          <p:nvPr/>
+        </p:nvSpPr>
+        <p:spPr>
+          <a:xfrm>
+            <a:off x="6148151" y="2399011"/>
+            <a:ext cx="1742787" cy="1543371"/>
+          </a:xfrm>
+          <a:prstGeom prst="roundRect">
+            <a:avLst>
+              <a:gd name="adj" fmla="val 5274"/>
+            </a:avLst>
+          </a:prstGeom>
+          <a:noFill/>
+          <a:ln w="12700">
+            <a:solidFill>
+              <a:schemeClr val="accent1"/>
+            </a:solidFill>
+            <a:prstDash val="dash"/>
+          </a:ln>
+        </p:spPr>
+        <p:style>
+          <a:lnRef idx="2">
+            <a:schemeClr val="dk1"/>
+          </a:lnRef>
+          <a:fillRef idx="1">
+            <a:schemeClr val="lt1"/>
+          </a:fillRef>
+          <a:effectRef idx="0">
+            <a:schemeClr val="dk1"/>
+          </a:effectRef>
+          <a:fontRef idx="minor">
+            <a:schemeClr val="dk1"/>
+          </a:fontRef>
+        </p:style>
+        <p:txBody>
+          <a:bodyPr rtlCol="0" anchor="t"/>
+          <a:lstStyle/>
+          <a:p>
+            <a:pPr algn="ctr"/>
+            <a:endParaRPr lang="en-US" altLang="ko-KR" sz="800"/>
+          </a:p>
+        </p:txBody>
+      </p:sp>
+    </p:spTree>
+    <p:extLst>
+      <p:ext uri="{BB962C8B-B14F-4D97-AF65-F5344CB8AC3E}">
+        <p14:creationId xmlns:p14="http://schemas.microsoft.com/office/powerpoint/2010/main" val="2867215552"/>
+      </p:ext>
+    </p:extLst>
+  </p:cSld>
+  <p:clrMapOvr>
+    <a:masterClrMapping/>
+  </p:clrMapOvr>
+</p:sld>
+</file>
+
+<file path=ppt/slides/slide4.xml><?xml version="1.0" encoding="utf-8"?>
+<p:sld xmlns:a="http://schemas.openxmlformats.org/drawingml/2006/main" xmlns:r="http://schemas.openxmlformats.org/officeDocument/2006/relationships" xmlns:p="http://schemas.openxmlformats.org/presentationml/2006/main">
+  <p:cSld>
+    <p:spTree>
+      <p:nvGrpSpPr>
         <p:cNvPr id="1" name=""/>
         <p:cNvGrpSpPr/>
         <p:nvPr/>
@@ -7678,7 +9306,7 @@
 </p:sld>
 </file>
 
-<file path=ppt/slides/slide4.xml><?xml version="1.0" encoding="utf-8"?>
+<file path=ppt/slides/slide5.xml><?xml version="1.0" encoding="utf-8"?>
 <p:sld xmlns:a="http://schemas.openxmlformats.org/drawingml/2006/main" xmlns:r="http://schemas.openxmlformats.org/officeDocument/2006/relationships" xmlns:p="http://schemas.openxmlformats.org/presentationml/2006/main">
   <p:cSld>
     <p:spTree>
